--- a/Documentation/project plan.pptx
+++ b/Documentation/project plan.pptx
@@ -10,6 +10,7 @@
     <p:sldId id="259" r:id="rId4"/>
     <p:sldId id="258" r:id="rId5"/>
     <p:sldId id="260" r:id="rId6"/>
+    <p:sldId id="261" r:id="rId7"/>
   </p:sldIdLst>
   <p:sldSz cx="12192000" cy="6858000"/>
   <p:notesSz cx="6858000" cy="9144000"/>
@@ -116,8 +117,57 @@
 </p:presentation>
 </file>
 
-<file path=ppt/revisionInfo.xml><?xml version="1.0" encoding="utf-8"?>
-<p1510:revInfo xmlns:a="http://schemas.openxmlformats.org/drawingml/2006/main" xmlns:r="http://schemas.openxmlformats.org/officeDocument/2006/relationships" xmlns:p1510="http://schemas.microsoft.com/office/powerpoint/2015/10/main"/>
+<file path=ppt/changesInfos/changesInfo1.xml><?xml version="1.0" encoding="utf-8"?>
+<pc:chgInfo xmlns:a="http://schemas.openxmlformats.org/drawingml/2006/main" xmlns:r="http://schemas.openxmlformats.org/officeDocument/2006/relationships" xmlns:ac="http://schemas.microsoft.com/office/drawing/2013/main/command" xmlns:pc="http://schemas.microsoft.com/office/powerpoint/2013/main/command">
+  <pc:docChgLst>
+    <pc:chgData name="aravind.kks10@gmail.com" userId="072865762869d93a" providerId="LiveId" clId="{95772C4E-5AB9-40A9-BF07-5842804923BD}"/>
+    <pc:docChg chg="addSld modSld">
+      <pc:chgData name="aravind.kks10@gmail.com" userId="072865762869d93a" providerId="LiveId" clId="{95772C4E-5AB9-40A9-BF07-5842804923BD}" dt="2018-02-03T05:55:40.462" v="24"/>
+      <pc:docMkLst>
+        <pc:docMk/>
+      </pc:docMkLst>
+      <pc:sldChg chg="addSp delSp modSp add">
+        <pc:chgData name="aravind.kks10@gmail.com" userId="072865762869d93a" providerId="LiveId" clId="{95772C4E-5AB9-40A9-BF07-5842804923BD}" dt="2018-02-03T05:55:40.462" v="24"/>
+        <pc:sldMkLst>
+          <pc:docMk/>
+          <pc:sldMk cId="2478533208" sldId="261"/>
+        </pc:sldMkLst>
+        <pc:spChg chg="mod">
+          <ac:chgData name="aravind.kks10@gmail.com" userId="072865762869d93a" providerId="LiveId" clId="{95772C4E-5AB9-40A9-BF07-5842804923BD}" dt="2018-02-03T05:54:58.565" v="21" actId="404"/>
+          <ac:spMkLst>
+            <pc:docMk/>
+            <pc:sldMk cId="2478533208" sldId="261"/>
+            <ac:spMk id="2" creationId="{9B1666A0-CBFA-43DE-AD87-66C745537753}"/>
+          </ac:spMkLst>
+        </pc:spChg>
+        <pc:spChg chg="add del">
+          <ac:chgData name="aravind.kks10@gmail.com" userId="072865762869d93a" providerId="LiveId" clId="{95772C4E-5AB9-40A9-BF07-5842804923BD}" dt="2018-02-03T05:55:40.462" v="24"/>
+          <ac:spMkLst>
+            <pc:docMk/>
+            <pc:sldMk cId="2478533208" sldId="261"/>
+            <ac:spMk id="3" creationId="{68BDD5EA-AD8E-452B-AFB8-B994CFA1B419}"/>
+          </ac:spMkLst>
+        </pc:spChg>
+        <pc:picChg chg="add del mod">
+          <ac:chgData name="aravind.kks10@gmail.com" userId="072865762869d93a" providerId="LiveId" clId="{95772C4E-5AB9-40A9-BF07-5842804923BD}" dt="2018-02-03T05:55:12.436" v="23"/>
+          <ac:picMkLst>
+            <pc:docMk/>
+            <pc:sldMk cId="2478533208" sldId="261"/>
+            <ac:picMk id="5" creationId="{A17A9E51-2DF8-4101-82C6-469E22ABE13A}"/>
+          </ac:picMkLst>
+        </pc:picChg>
+        <pc:picChg chg="add mod">
+          <ac:chgData name="aravind.kks10@gmail.com" userId="072865762869d93a" providerId="LiveId" clId="{95772C4E-5AB9-40A9-BF07-5842804923BD}" dt="2018-02-03T05:55:40.462" v="24"/>
+          <ac:picMkLst>
+            <pc:docMk/>
+            <pc:sldMk cId="2478533208" sldId="261"/>
+            <ac:picMk id="7" creationId="{B7192998-7FDB-4468-85D8-CC59A270383A}"/>
+          </ac:picMkLst>
+        </pc:picChg>
+      </pc:sldChg>
+    </pc:docChg>
+  </pc:docChgLst>
+</pc:chgInfo>
 </file>
 
 <file path=ppt/slideLayouts/slideLayout1.xml><?xml version="1.0" encoding="utf-8"?>
@@ -3498,6 +3548,101 @@
 </p:sld>
 </file>
 
+<file path=ppt/slides/slide6.xml><?xml version="1.0" encoding="utf-8"?>
+<p:sld xmlns:a="http://schemas.openxmlformats.org/drawingml/2006/main" xmlns:r="http://schemas.openxmlformats.org/officeDocument/2006/relationships" xmlns:p="http://schemas.openxmlformats.org/presentationml/2006/main">
+  <p:cSld>
+    <p:spTree>
+      <p:nvGrpSpPr>
+        <p:cNvPr id="1" name=""/>
+        <p:cNvGrpSpPr/>
+        <p:nvPr/>
+      </p:nvGrpSpPr>
+      <p:grpSpPr>
+        <a:xfrm>
+          <a:off x="0" y="0"/>
+          <a:ext cx="0" cy="0"/>
+          <a:chOff x="0" y="0"/>
+          <a:chExt cx="0" cy="0"/>
+        </a:xfrm>
+      </p:grpSpPr>
+      <p:sp>
+        <p:nvSpPr>
+          <p:cNvPr id="2" name="Title 1">
+            <a:extLst>
+              <a:ext uri="{FF2B5EF4-FFF2-40B4-BE49-F238E27FC236}">
+                <a16:creationId xmlns:a16="http://schemas.microsoft.com/office/drawing/2014/main" id="{9B1666A0-CBFA-43DE-AD87-66C745537753}"/>
+              </a:ext>
+            </a:extLst>
+          </p:cNvPr>
+          <p:cNvSpPr>
+            <a:spLocks noGrp="1"/>
+          </p:cNvSpPr>
+          <p:nvPr>
+            <p:ph type="title"/>
+          </p:nvPr>
+        </p:nvSpPr>
+        <p:spPr/>
+        <p:txBody>
+          <a:bodyPr>
+            <a:normAutofit/>
+          </a:bodyPr>
+          <a:lstStyle/>
+          <a:p>
+            <a:r>
+              <a:rPr lang="en-US" sz="3200" dirty="0"/>
+              <a:t>Project Sprint-2</a:t>
+            </a:r>
+          </a:p>
+        </p:txBody>
+      </p:sp>
+      <p:pic>
+        <p:nvPicPr>
+          <p:cNvPr id="7" name="Content Placeholder 6">
+            <a:extLst>
+              <a:ext uri="{FF2B5EF4-FFF2-40B4-BE49-F238E27FC236}">
+                <a16:creationId xmlns:a16="http://schemas.microsoft.com/office/drawing/2014/main" id="{B7192998-7FDB-4468-85D8-CC59A270383A}"/>
+              </a:ext>
+            </a:extLst>
+          </p:cNvPr>
+          <p:cNvPicPr>
+            <a:picLocks noGrp="1" noChangeAspect="1"/>
+          </p:cNvPicPr>
+          <p:nvPr>
+            <p:ph idx="1"/>
+          </p:nvPr>
+        </p:nvPicPr>
+        <p:blipFill>
+          <a:blip r:embed="rId2">
+            <a:extLst>
+              <a:ext uri="{28A0092B-C50C-407E-A947-70E740481C1C}">
+                <a14:useLocalDpi xmlns:a14="http://schemas.microsoft.com/office/drawing/2010/main" val="0"/>
+              </a:ext>
+            </a:extLst>
+          </a:blip>
+          <a:stretch>
+            <a:fillRect/>
+          </a:stretch>
+        </p:blipFill>
+        <p:spPr>
+          <a:xfrm>
+            <a:off x="2226255" y="1825625"/>
+            <a:ext cx="7739489" cy="4351338"/>
+          </a:xfrm>
+        </p:spPr>
+      </p:pic>
+    </p:spTree>
+    <p:extLst>
+      <p:ext uri="{BB962C8B-B14F-4D97-AF65-F5344CB8AC3E}">
+        <p14:creationId xmlns:p14="http://schemas.microsoft.com/office/powerpoint/2010/main" val="2478533208"/>
+      </p:ext>
+    </p:extLst>
+  </p:cSld>
+  <p:clrMapOvr>
+    <a:masterClrMapping/>
+  </p:clrMapOvr>
+</p:sld>
+</file>
+
 <file path=ppt/theme/theme1.xml><?xml version="1.0" encoding="utf-8"?>
 <a:theme xmlns:a="http://schemas.openxmlformats.org/drawingml/2006/main" name="Office Theme">
   <a:themeElements>
